--- a/HW1.pptx
+++ b/HW1.pptx
@@ -5,13 +5,14 @@
     <p:sldMasterId id="2147483648" r:id="rId1"/>
   </p:sldMasterIdLst>
   <p:sldIdLst>
-    <p:sldId id="256" r:id="rId2"/>
-    <p:sldId id="257" r:id="rId3"/>
-    <p:sldId id="258" r:id="rId4"/>
-    <p:sldId id="259" r:id="rId5"/>
-    <p:sldId id="260" r:id="rId6"/>
-    <p:sldId id="261" r:id="rId7"/>
-    <p:sldId id="262" r:id="rId8"/>
+    <p:sldId id="268" r:id="rId2"/>
+    <p:sldId id="256" r:id="rId3"/>
+    <p:sldId id="257" r:id="rId4"/>
+    <p:sldId id="258" r:id="rId5"/>
+    <p:sldId id="259" r:id="rId6"/>
+    <p:sldId id="260" r:id="rId7"/>
+    <p:sldId id="261" r:id="rId8"/>
+    <p:sldId id="262" r:id="rId9"/>
   </p:sldIdLst>
   <p:sldSz cx="12192000" cy="6858000"/>
   <p:notesSz cx="6858000" cy="9144000"/>
@@ -110,6 +111,11 @@
       </a:defRPr>
     </a:lvl9pPr>
   </p:defaultTextStyle>
+  <p:extLst>
+    <p:ext uri="{EFAFB233-063F-42B5-8137-9DF3F51BA10A}">
+      <p15:sldGuideLst xmlns:p15="http://schemas.microsoft.com/office/powerpoint/2012/main"/>
+    </p:ext>
+  </p:extLst>
 </p:presentation>
 </file>
 
@@ -260,7 +266,7 @@
           <a:p>
             <a:fld id="{6B4CA85E-5876-403B-B448-9525C0828F5B}" type="datetimeFigureOut">
               <a:rPr lang="en-US" smtClean="0"/>
-              <a:t>11/15/2024</a:t>
+              <a:t>11/30/2024</a:t>
             </a:fld>
             <a:endParaRPr lang="en-US"/>
           </a:p>
@@ -458,7 +464,7 @@
           <a:p>
             <a:fld id="{6B4CA85E-5876-403B-B448-9525C0828F5B}" type="datetimeFigureOut">
               <a:rPr lang="en-US" smtClean="0"/>
-              <a:t>11/15/2024</a:t>
+              <a:t>11/30/2024</a:t>
             </a:fld>
             <a:endParaRPr lang="en-US"/>
           </a:p>
@@ -666,7 +672,7 @@
           <a:p>
             <a:fld id="{6B4CA85E-5876-403B-B448-9525C0828F5B}" type="datetimeFigureOut">
               <a:rPr lang="en-US" smtClean="0"/>
-              <a:t>11/15/2024</a:t>
+              <a:t>11/30/2024</a:t>
             </a:fld>
             <a:endParaRPr lang="en-US"/>
           </a:p>
@@ -864,7 +870,7 @@
           <a:p>
             <a:fld id="{6B4CA85E-5876-403B-B448-9525C0828F5B}" type="datetimeFigureOut">
               <a:rPr lang="en-US" smtClean="0"/>
-              <a:t>11/15/2024</a:t>
+              <a:t>11/30/2024</a:t>
             </a:fld>
             <a:endParaRPr lang="en-US"/>
           </a:p>
@@ -1139,7 +1145,7 @@
           <a:p>
             <a:fld id="{6B4CA85E-5876-403B-B448-9525C0828F5B}" type="datetimeFigureOut">
               <a:rPr lang="en-US" smtClean="0"/>
-              <a:t>11/15/2024</a:t>
+              <a:t>11/30/2024</a:t>
             </a:fld>
             <a:endParaRPr lang="en-US"/>
           </a:p>
@@ -1404,7 +1410,7 @@
           <a:p>
             <a:fld id="{6B4CA85E-5876-403B-B448-9525C0828F5B}" type="datetimeFigureOut">
               <a:rPr lang="en-US" smtClean="0"/>
-              <a:t>11/15/2024</a:t>
+              <a:t>11/30/2024</a:t>
             </a:fld>
             <a:endParaRPr lang="en-US"/>
           </a:p>
@@ -1816,7 +1822,7 @@
           <a:p>
             <a:fld id="{6B4CA85E-5876-403B-B448-9525C0828F5B}" type="datetimeFigureOut">
               <a:rPr lang="en-US" smtClean="0"/>
-              <a:t>11/15/2024</a:t>
+              <a:t>11/30/2024</a:t>
             </a:fld>
             <a:endParaRPr lang="en-US"/>
           </a:p>
@@ -1957,7 +1963,7 @@
           <a:p>
             <a:fld id="{6B4CA85E-5876-403B-B448-9525C0828F5B}" type="datetimeFigureOut">
               <a:rPr lang="en-US" smtClean="0"/>
-              <a:t>11/15/2024</a:t>
+              <a:t>11/30/2024</a:t>
             </a:fld>
             <a:endParaRPr lang="en-US"/>
           </a:p>
@@ -2070,7 +2076,7 @@
           <a:p>
             <a:fld id="{6B4CA85E-5876-403B-B448-9525C0828F5B}" type="datetimeFigureOut">
               <a:rPr lang="en-US" smtClean="0"/>
-              <a:t>11/15/2024</a:t>
+              <a:t>11/30/2024</a:t>
             </a:fld>
             <a:endParaRPr lang="en-US"/>
           </a:p>
@@ -2381,7 +2387,7 @@
           <a:p>
             <a:fld id="{6B4CA85E-5876-403B-B448-9525C0828F5B}" type="datetimeFigureOut">
               <a:rPr lang="en-US" smtClean="0"/>
-              <a:t>11/15/2024</a:t>
+              <a:t>11/30/2024</a:t>
             </a:fld>
             <a:endParaRPr lang="en-US"/>
           </a:p>
@@ -2669,7 +2675,7 @@
           <a:p>
             <a:fld id="{6B4CA85E-5876-403B-B448-9525C0828F5B}" type="datetimeFigureOut">
               <a:rPr lang="en-US" smtClean="0"/>
-              <a:t>11/15/2024</a:t>
+              <a:t>11/30/2024</a:t>
             </a:fld>
             <a:endParaRPr lang="en-US"/>
           </a:p>
@@ -2910,7 +2916,7 @@
           <a:p>
             <a:fld id="{6B4CA85E-5876-403B-B448-9525C0828F5B}" type="datetimeFigureOut">
               <a:rPr lang="en-US" smtClean="0"/>
-              <a:t>11/15/2024</a:t>
+              <a:t>11/30/2024</a:t>
             </a:fld>
             <a:endParaRPr lang="en-US"/>
           </a:p>
@@ -3327,6 +3333,399 @@
           <a:chExt cx="0" cy="0"/>
         </a:xfrm>
       </p:grpSpPr>
+      <p:sp useBgFill="1">
+        <p:nvSpPr>
+          <p:cNvPr id="8" name="Rectangle 7">
+            <a:extLst>
+              <a:ext uri="{FF2B5EF4-FFF2-40B4-BE49-F238E27FC236}">
+                <a16:creationId xmlns:a16="http://schemas.microsoft.com/office/drawing/2014/main" id="{2E11D796-255E-FE45-07FF-9197CDD84D28}"/>
+              </a:ext>
+              <a:ext uri="{C183D7F6-B498-43B3-948B-1728B52AA6E4}">
+                <adec:decorative xmlns:adec="http://schemas.microsoft.com/office/drawing/2017/decorative" val="1"/>
+              </a:ext>
+            </a:extLst>
+          </p:cNvPr>
+          <p:cNvSpPr/>
+          <p:nvPr>
+            <p:extLst>
+              <p:ext uri="{386F3935-93C4-4BCD-93E2-E3B085C9AB24}">
+                <p16:designElem xmlns:p16="http://schemas.microsoft.com/office/powerpoint/2015/main" val="1"/>
+              </p:ext>
+            </p:extLst>
+          </p:nvPr>
+        </p:nvSpPr>
+        <p:spPr>
+          <a:xfrm>
+            <a:off x="-1" y="0"/>
+            <a:ext cx="12188952" cy="6858000"/>
+          </a:xfrm>
+          <a:prstGeom prst="rect">
+            <a:avLst/>
+          </a:prstGeom>
+          <a:ln>
+            <a:noFill/>
+          </a:ln>
+        </p:spPr>
+        <p:style>
+          <a:lnRef idx="2">
+            <a:schemeClr val="accent1">
+              <a:shade val="50000"/>
+            </a:schemeClr>
+          </a:lnRef>
+          <a:fillRef idx="1">
+            <a:schemeClr val="accent1"/>
+          </a:fillRef>
+          <a:effectRef idx="0">
+            <a:schemeClr val="accent1"/>
+          </a:effectRef>
+          <a:fontRef idx="minor">
+            <a:schemeClr val="lt1"/>
+          </a:fontRef>
+        </p:style>
+        <p:txBody>
+          <a:bodyPr rtlCol="0" anchor="ctr"/>
+          <a:lstStyle/>
+          <a:p>
+            <a:pPr algn="ctr"/>
+            <a:endParaRPr lang="en-US"/>
+          </a:p>
+        </p:txBody>
+      </p:sp>
+      <p:pic>
+        <p:nvPicPr>
+          <p:cNvPr id="10" name="Picture 9" descr="Computer script on a screen">
+            <a:extLst>
+              <a:ext uri="{FF2B5EF4-FFF2-40B4-BE49-F238E27FC236}">
+                <a16:creationId xmlns:a16="http://schemas.microsoft.com/office/drawing/2014/main" id="{F1B8A9D1-359C-D7FA-0AD9-9DC5037BA503}"/>
+              </a:ext>
+            </a:extLst>
+          </p:cNvPr>
+          <p:cNvPicPr>
+            <a:picLocks noChangeAspect="1"/>
+          </p:cNvPicPr>
+          <p:nvPr/>
+        </p:nvPicPr>
+        <p:blipFill>
+          <a:blip r:embed="rId2"/>
+          <a:srcRect r="5882" b="-1"/>
+          <a:stretch/>
+        </p:blipFill>
+        <p:spPr>
+          <a:xfrm>
+            <a:off x="1" y="10"/>
+            <a:ext cx="9669642" cy="6857990"/>
+          </a:xfrm>
+          <a:prstGeom prst="rect">
+            <a:avLst/>
+          </a:prstGeom>
+        </p:spPr>
+      </p:pic>
+      <p:sp>
+        <p:nvSpPr>
+          <p:cNvPr id="11" name="Rectangle 10">
+            <a:extLst>
+              <a:ext uri="{FF2B5EF4-FFF2-40B4-BE49-F238E27FC236}">
+                <a16:creationId xmlns:a16="http://schemas.microsoft.com/office/drawing/2014/main" id="{96613D6D-9736-73D0-C805-B145831B95E7}"/>
+              </a:ext>
+              <a:ext uri="{C183D7F6-B498-43B3-948B-1728B52AA6E4}">
+                <adec:decorative xmlns:adec="http://schemas.microsoft.com/office/drawing/2017/decorative" val="1"/>
+              </a:ext>
+            </a:extLst>
+          </p:cNvPr>
+          <p:cNvSpPr/>
+          <p:nvPr>
+            <p:extLst>
+              <p:ext uri="{386F3935-93C4-4BCD-93E2-E3B085C9AB24}">
+                <p16:designElem xmlns:p16="http://schemas.microsoft.com/office/powerpoint/2015/main" val="1"/>
+              </p:ext>
+            </p:extLst>
+          </p:nvPr>
+        </p:nvSpPr>
+        <p:spPr>
+          <a:xfrm flipH="1">
+            <a:off x="5125019" y="0"/>
+            <a:ext cx="7066978" cy="6858000"/>
+          </a:xfrm>
+          <a:prstGeom prst="rect">
+            <a:avLst/>
+          </a:prstGeom>
+          <a:gradFill>
+            <a:gsLst>
+              <a:gs pos="48000">
+                <a:schemeClr val="bg1"/>
+              </a:gs>
+              <a:gs pos="35000">
+                <a:schemeClr val="bg1">
+                  <a:alpha val="77000"/>
+                </a:schemeClr>
+              </a:gs>
+              <a:gs pos="19000">
+                <a:schemeClr val="bg1">
+                  <a:alpha val="38000"/>
+                </a:schemeClr>
+              </a:gs>
+              <a:gs pos="0">
+                <a:schemeClr val="bg1">
+                  <a:alpha val="0"/>
+                </a:schemeClr>
+              </a:gs>
+              <a:gs pos="100000">
+                <a:schemeClr val="bg1"/>
+              </a:gs>
+            </a:gsLst>
+            <a:lin ang="10800000" scaled="0"/>
+          </a:gradFill>
+          <a:ln>
+            <a:noFill/>
+          </a:ln>
+        </p:spPr>
+        <p:style>
+          <a:lnRef idx="2">
+            <a:schemeClr val="accent1">
+              <a:shade val="50000"/>
+            </a:schemeClr>
+          </a:lnRef>
+          <a:fillRef idx="1">
+            <a:schemeClr val="accent1"/>
+          </a:fillRef>
+          <a:effectRef idx="0">
+            <a:schemeClr val="accent1"/>
+          </a:effectRef>
+          <a:fontRef idx="minor">
+            <a:schemeClr val="lt1"/>
+          </a:fontRef>
+        </p:style>
+        <p:txBody>
+          <a:bodyPr rtlCol="0" anchor="ctr"/>
+          <a:lstStyle/>
+          <a:p>
+            <a:pPr algn="ctr"/>
+            <a:endParaRPr lang="en-US" dirty="0"/>
+          </a:p>
+        </p:txBody>
+      </p:sp>
+      <p:sp>
+        <p:nvSpPr>
+          <p:cNvPr id="12" name="TextBox 11">
+            <a:extLst>
+              <a:ext uri="{FF2B5EF4-FFF2-40B4-BE49-F238E27FC236}">
+                <a16:creationId xmlns:a16="http://schemas.microsoft.com/office/drawing/2014/main" id="{FF0743D6-EB9E-7C82-3641-789BACEC023A}"/>
+              </a:ext>
+            </a:extLst>
+          </p:cNvPr>
+          <p:cNvSpPr txBox="1"/>
+          <p:nvPr/>
+        </p:nvSpPr>
+        <p:spPr>
+          <a:xfrm>
+            <a:off x="6580028" y="3429000"/>
+            <a:ext cx="5049273" cy="923330"/>
+          </a:xfrm>
+          <a:prstGeom prst="rect">
+            <a:avLst/>
+          </a:prstGeom>
+        </p:spPr>
+        <p:txBody>
+          <a:bodyPr vert="horz" lIns="91440" tIns="45720" rIns="91440" bIns="45720" rtlCol="0" anchor="ctr">
+            <a:spAutoFit/>
+          </a:bodyPr>
+          <a:lstStyle/>
+          <a:p>
+            <a:pPr>
+              <a:lnSpc>
+                <a:spcPct val="90000"/>
+              </a:lnSpc>
+              <a:spcBef>
+                <a:spcPct val="0"/>
+              </a:spcBef>
+              <a:spcAft>
+                <a:spcPts val="600"/>
+              </a:spcAft>
+            </a:pPr>
+            <a:r>
+              <a:rPr lang="en-US" sz="3000" b="1" i="0" baseline="0" dirty="0">
+                <a:effectLst/>
+                <a:latin typeface="Times New Roman" panose="02020603050405020304" pitchFamily="18" charset="0"/>
+                <a:ea typeface="+mj-ea"/>
+                <a:cs typeface="Times New Roman" panose="02020603050405020304" pitchFamily="18" charset="0"/>
+              </a:rPr>
+              <a:t>Name: Rasha Khal</a:t>
+            </a:r>
+            <a:r>
+              <a:rPr lang="en-US" sz="3000" b="1" dirty="0">
+                <a:latin typeface="Times New Roman" panose="02020603050405020304" pitchFamily="18" charset="0"/>
+                <a:ea typeface="+mj-ea"/>
+                <a:cs typeface="Times New Roman" panose="02020603050405020304" pitchFamily="18" charset="0"/>
+              </a:rPr>
+              <a:t>i</a:t>
+            </a:r>
+            <a:r>
+              <a:rPr lang="en-US" sz="3000" b="1" i="0" baseline="0" dirty="0">
+                <a:effectLst/>
+                <a:latin typeface="Times New Roman" panose="02020603050405020304" pitchFamily="18" charset="0"/>
+                <a:ea typeface="+mj-ea"/>
+                <a:cs typeface="Times New Roman" panose="02020603050405020304" pitchFamily="18" charset="0"/>
+              </a:rPr>
+              <a:t>d </a:t>
+            </a:r>
+            <a:r>
+              <a:rPr lang="en-US" sz="3000" b="1" i="0" baseline="0" dirty="0" err="1">
+                <a:effectLst/>
+                <a:latin typeface="Times New Roman" panose="02020603050405020304" pitchFamily="18" charset="0"/>
+                <a:ea typeface="+mj-ea"/>
+                <a:cs typeface="Times New Roman" panose="02020603050405020304" pitchFamily="18" charset="0"/>
+              </a:rPr>
+              <a:t>Alsaleh</a:t>
+            </a:r>
+            <a:br>
+              <a:rPr lang="en-US" sz="3000" b="1" i="0" baseline="0" dirty="0">
+                <a:effectLst/>
+                <a:latin typeface="Times New Roman" panose="02020603050405020304" pitchFamily="18" charset="0"/>
+                <a:ea typeface="+mj-ea"/>
+                <a:cs typeface="Times New Roman" panose="02020603050405020304" pitchFamily="18" charset="0"/>
+              </a:rPr>
+            </a:br>
+            <a:r>
+              <a:rPr lang="en-US" sz="3000" b="1" i="0" baseline="0" dirty="0">
+                <a:effectLst/>
+                <a:latin typeface="Times New Roman" panose="02020603050405020304" pitchFamily="18" charset="0"/>
+                <a:ea typeface="+mj-ea"/>
+                <a:cs typeface="Times New Roman" panose="02020603050405020304" pitchFamily="18" charset="0"/>
+              </a:rPr>
+              <a:t>ID:202210632</a:t>
+            </a:r>
+            <a:endParaRPr lang="en-US" sz="3000" dirty="0">
+              <a:effectLst/>
+              <a:latin typeface="Times New Roman" panose="02020603050405020304" pitchFamily="18" charset="0"/>
+              <a:ea typeface="+mj-ea"/>
+              <a:cs typeface="Times New Roman" panose="02020603050405020304" pitchFamily="18" charset="0"/>
+            </a:endParaRPr>
+          </a:p>
+        </p:txBody>
+      </p:sp>
+      <p:sp>
+        <p:nvSpPr>
+          <p:cNvPr id="13" name="TextBox 12">
+            <a:extLst>
+              <a:ext uri="{FF2B5EF4-FFF2-40B4-BE49-F238E27FC236}">
+                <a16:creationId xmlns:a16="http://schemas.microsoft.com/office/drawing/2014/main" id="{4A9723A5-2648-B652-451E-814761074A3E}"/>
+              </a:ext>
+            </a:extLst>
+          </p:cNvPr>
+          <p:cNvSpPr txBox="1"/>
+          <p:nvPr/>
+        </p:nvSpPr>
+        <p:spPr>
+          <a:xfrm>
+            <a:off x="6599344" y="2413337"/>
+            <a:ext cx="5589607" cy="1015663"/>
+          </a:xfrm>
+          <a:prstGeom prst="rect">
+            <a:avLst/>
+          </a:prstGeom>
+          <a:noFill/>
+        </p:spPr>
+        <p:txBody>
+          <a:bodyPr wrap="none">
+            <a:spAutoFit/>
+          </a:bodyPr>
+          <a:lstStyle/>
+          <a:p>
+            <a:r>
+              <a:rPr lang="en-US" sz="2000" b="1" i="0" u="none" strike="noStrike" baseline="0" dirty="0">
+                <a:solidFill>
+                  <a:srgbClr val="000000"/>
+                </a:solidFill>
+                <a:latin typeface="Times New Roman" panose="02020603050405020304" pitchFamily="18" charset="0"/>
+              </a:rPr>
+              <a:t>Database Programming </a:t>
+            </a:r>
+            <a:endParaRPr lang="en-US" sz="2000" b="0" i="0" u="none" strike="noStrike" baseline="0" dirty="0">
+              <a:solidFill>
+                <a:srgbClr val="000000"/>
+              </a:solidFill>
+              <a:latin typeface="Times New Roman" panose="02020603050405020304" pitchFamily="18" charset="0"/>
+            </a:endParaRPr>
+          </a:p>
+          <a:p>
+            <a:r>
+              <a:rPr lang="en-US" sz="2000" b="1" i="0" u="none" strike="noStrike" baseline="0" dirty="0">
+                <a:solidFill>
+                  <a:srgbClr val="000000"/>
+                </a:solidFill>
+                <a:latin typeface="Times New Roman" panose="02020603050405020304" pitchFamily="18" charset="0"/>
+              </a:rPr>
+              <a:t>2024/2025 First Semester (Dr. Ala </a:t>
+            </a:r>
+            <a:r>
+              <a:rPr lang="en-US" sz="2000" b="1" i="0" u="none" strike="noStrike" baseline="0" dirty="0" err="1">
+                <a:solidFill>
+                  <a:srgbClr val="000000"/>
+                </a:solidFill>
+                <a:latin typeface="Times New Roman" panose="02020603050405020304" pitchFamily="18" charset="0"/>
+              </a:rPr>
+              <a:t>Abuthawabeh</a:t>
+            </a:r>
+            <a:r>
+              <a:rPr lang="en-US" sz="2000" b="1" i="0" u="none" strike="noStrike" baseline="0" dirty="0">
+                <a:solidFill>
+                  <a:srgbClr val="000000"/>
+                </a:solidFill>
+                <a:latin typeface="Times New Roman" panose="02020603050405020304" pitchFamily="18" charset="0"/>
+              </a:rPr>
+              <a:t>) </a:t>
+            </a:r>
+            <a:endParaRPr lang="en-US" sz="2000" b="0" i="0" u="none" strike="noStrike" baseline="0" dirty="0">
+              <a:solidFill>
+                <a:srgbClr val="000000"/>
+              </a:solidFill>
+              <a:latin typeface="Times New Roman" panose="02020603050405020304" pitchFamily="18" charset="0"/>
+            </a:endParaRPr>
+          </a:p>
+          <a:p>
+            <a:r>
+              <a:rPr lang="en-US" sz="2000" b="1" i="0" u="none" strike="noStrike" baseline="0" dirty="0">
+                <a:solidFill>
+                  <a:srgbClr val="000000"/>
+                </a:solidFill>
+                <a:latin typeface="Times New Roman" panose="02020603050405020304" pitchFamily="18" charset="0"/>
+              </a:rPr>
+              <a:t>Homework #2 </a:t>
+            </a:r>
+            <a:endParaRPr lang="en-US" sz="2000" dirty="0"/>
+          </a:p>
+        </p:txBody>
+      </p:sp>
+    </p:spTree>
+    <p:extLst>
+      <p:ext uri="{BB962C8B-B14F-4D97-AF65-F5344CB8AC3E}">
+        <p14:creationId xmlns:p14="http://schemas.microsoft.com/office/powerpoint/2010/main" val="2429349869"/>
+      </p:ext>
+    </p:extLst>
+  </p:cSld>
+  <p:clrMapOvr>
+    <a:masterClrMapping/>
+  </p:clrMapOvr>
+</p:sld>
+</file>
+
+<file path=ppt/slides/slide2.xml><?xml version="1.0" encoding="utf-8"?>
+<p:sld xmlns:a="http://schemas.openxmlformats.org/drawingml/2006/main" xmlns:r="http://schemas.openxmlformats.org/officeDocument/2006/relationships" xmlns:p="http://schemas.openxmlformats.org/presentationml/2006/main">
+  <p:cSld>
+    <p:spTree>
+      <p:nvGrpSpPr>
+        <p:cNvPr id="1" name=""/>
+        <p:cNvGrpSpPr/>
+        <p:nvPr/>
+      </p:nvGrpSpPr>
+      <p:grpSpPr>
+        <a:xfrm>
+          <a:off x="0" y="0"/>
+          <a:ext cx="0" cy="0"/>
+          <a:chOff x="0" y="0"/>
+          <a:chExt cx="0" cy="0"/>
+        </a:xfrm>
+      </p:grpSpPr>
       <p:sp>
         <p:nvSpPr>
           <p:cNvPr id="5" name="TextBox 4">
@@ -4099,7 +4498,7 @@
 </p:sld>
 </file>
 
-<file path=ppt/slides/slide2.xml><?xml version="1.0" encoding="utf-8"?>
+<file path=ppt/slides/slide3.xml><?xml version="1.0" encoding="utf-8"?>
 <p:sld xmlns:a="http://schemas.openxmlformats.org/drawingml/2006/main" xmlns:r="http://schemas.openxmlformats.org/officeDocument/2006/relationships" xmlns:p="http://schemas.openxmlformats.org/presentationml/2006/main">
   <p:cSld>
     <p:spTree>
@@ -5247,7 +5646,7 @@
 </p:sld>
 </file>
 
-<file path=ppt/slides/slide3.xml><?xml version="1.0" encoding="utf-8"?>
+<file path=ppt/slides/slide4.xml><?xml version="1.0" encoding="utf-8"?>
 <p:sld xmlns:a="http://schemas.openxmlformats.org/drawingml/2006/main" xmlns:r="http://schemas.openxmlformats.org/officeDocument/2006/relationships" xmlns:p="http://schemas.openxmlformats.org/presentationml/2006/main">
   <p:cSld>
     <p:spTree>
@@ -6296,7 +6695,7 @@
 </p:sld>
 </file>
 
-<file path=ppt/slides/slide4.xml><?xml version="1.0" encoding="utf-8"?>
+<file path=ppt/slides/slide5.xml><?xml version="1.0" encoding="utf-8"?>
 <p:sld xmlns:a="http://schemas.openxmlformats.org/drawingml/2006/main" xmlns:r="http://schemas.openxmlformats.org/officeDocument/2006/relationships" xmlns:p="http://schemas.openxmlformats.org/presentationml/2006/main">
   <p:cSld>
     <p:spTree>
@@ -7491,7 +7890,7 @@
 </p:sld>
 </file>
 
-<file path=ppt/slides/slide5.xml><?xml version="1.0" encoding="utf-8"?>
+<file path=ppt/slides/slide6.xml><?xml version="1.0" encoding="utf-8"?>
 <p:sld xmlns:a="http://schemas.openxmlformats.org/drawingml/2006/main" xmlns:r="http://schemas.openxmlformats.org/officeDocument/2006/relationships" xmlns:p="http://schemas.openxmlformats.org/presentationml/2006/main">
   <p:cSld>
     <p:spTree>
@@ -8155,7 +8554,7 @@
 </p:sld>
 </file>
 
-<file path=ppt/slides/slide6.xml><?xml version="1.0" encoding="utf-8"?>
+<file path=ppt/slides/slide7.xml><?xml version="1.0" encoding="utf-8"?>
 <p:sld xmlns:a="http://schemas.openxmlformats.org/drawingml/2006/main" xmlns:r="http://schemas.openxmlformats.org/officeDocument/2006/relationships" xmlns:p="http://schemas.openxmlformats.org/presentationml/2006/main">
   <p:cSld>
     <p:spTree>
@@ -8590,7 +8989,7 @@
 </p:sld>
 </file>
 
-<file path=ppt/slides/slide7.xml><?xml version="1.0" encoding="utf-8"?>
+<file path=ppt/slides/slide8.xml><?xml version="1.0" encoding="utf-8"?>
 <p:sld xmlns:a="http://schemas.openxmlformats.org/drawingml/2006/main" xmlns:r="http://schemas.openxmlformats.org/officeDocument/2006/relationships" xmlns:p="http://schemas.openxmlformats.org/presentationml/2006/main">
   <p:cSld>
     <p:spTree>
